--- a/Final_Project_PPT.pptx
+++ b/Final_Project_PPT.pptx
@@ -11,7 +11,8 @@
     <p:sldId id="259" r:id="rId5"/>
     <p:sldId id="260" r:id="rId6"/>
     <p:sldId id="261" r:id="rId7"/>
-    <p:sldId id="262" r:id="rId8"/>
+    <p:sldId id="263" r:id="rId8"/>
+    <p:sldId id="262" r:id="rId9"/>
   </p:sldIdLst>
   <p:sldSz cx="12192000" cy="6858000"/>
   <p:notesSz cx="6858000" cy="9144000"/>
@@ -265,7 +266,7 @@
       </p15:sldGuideLst>
     </p:ext>
     <p:ext uri="http://customooxmlschemas.google.com/">
-      <go:slidesCustomData xmlns:mc="http://schemas.openxmlformats.org/markup-compatibility/2006" xmlns:mv="urn:schemas-microsoft-com:mac:vml" xmlns:c="http://schemas.openxmlformats.org/drawingml/2006/chart" xmlns:dgm="http://schemas.openxmlformats.org/drawingml/2006/diagram" xmlns:o="urn:schemas-microsoft-com:office:office" xmlns:v="urn:schemas-microsoft-com:vml" xmlns:pvml="urn:schemas-microsoft-com:office:powerpoint" xmlns:com="http://schemas.openxmlformats.org/drawingml/2006/compatibility" xmlns:p14="http://schemas.microsoft.com/office/powerpoint/2010/main" xmlns:p15="http://schemas.microsoft.com/office/powerpoint/2012/main" xmlns:go="http://customooxmlschemas.google.com/" xmlns="" r:id="rId220" roundtripDataSignature="AMtx7miWNY2LB4ETJwrL8F0N+EK9hEhqUQ=="/>
+      <go:slidesCustomData xmlns="" xmlns:go="http://customooxmlschemas.google.com/" xmlns:p15="http://schemas.microsoft.com/office/powerpoint/2012/main" xmlns:p14="http://schemas.microsoft.com/office/powerpoint/2010/main" xmlns:com="http://schemas.openxmlformats.org/drawingml/2006/compatibility" xmlns:pvml="urn:schemas-microsoft-com:office:powerpoint" xmlns:v="urn:schemas-microsoft-com:vml" xmlns:o="urn:schemas-microsoft-com:office:office" xmlns:dgm="http://schemas.openxmlformats.org/drawingml/2006/diagram" xmlns:c="http://schemas.openxmlformats.org/drawingml/2006/chart" xmlns:mv="urn:schemas-microsoft-com:mac:vml" xmlns:mc="http://schemas.openxmlformats.org/markup-compatibility/2006" r:id="rId220" roundtripDataSignature="AMtx7miWNY2LB4ETJwrL8F0N+EK9hEhqUQ=="/>
     </p:ext>
   </p:extLst>
 </p:presentation>
@@ -4632,6 +4633,105 @@
       </p:grpSpPr>
       <p:sp>
         <p:nvSpPr>
+          <p:cNvPr id="2" name="TextBox 1">
+            <a:extLst>
+              <a:ext uri="{FF2B5EF4-FFF2-40B4-BE49-F238E27FC236}">
+                <a16:creationId xmlns:a16="http://schemas.microsoft.com/office/drawing/2014/main" id="{3FEF6922-1BE4-9943-9D1D-CC56F3BD7C2D}"/>
+              </a:ext>
+            </a:extLst>
+          </p:cNvPr>
+          <p:cNvSpPr txBox="1"/>
+          <p:nvPr/>
+        </p:nvSpPr>
+        <p:spPr>
+          <a:xfrm>
+            <a:off x="255104" y="1054412"/>
+            <a:ext cx="6102626" cy="523220"/>
+          </a:xfrm>
+          <a:prstGeom prst="rect">
+            <a:avLst/>
+          </a:prstGeom>
+          <a:noFill/>
+        </p:spPr>
+        <p:txBody>
+          <a:bodyPr wrap="square">
+            <a:spAutoFit/>
+          </a:bodyPr>
+          <a:lstStyle/>
+          <a:p>
+            <a:r>
+              <a:rPr lang="en-IN" sz="2800" b="1" dirty="0">
+                <a:solidFill>
+                  <a:srgbClr val="213163"/>
+                </a:solidFill>
+              </a:rPr>
+              <a:t>Screenshots:</a:t>
+            </a:r>
+          </a:p>
+        </p:txBody>
+      </p:sp>
+      <p:pic>
+        <p:nvPicPr>
+          <p:cNvPr id="5" name="Picture 4">
+            <a:extLst>
+              <a:ext uri="{FF2B5EF4-FFF2-40B4-BE49-F238E27FC236}">
+                <a16:creationId xmlns:a16="http://schemas.microsoft.com/office/drawing/2014/main" id="{084DC85A-46A3-1FBE-94AE-7BE90A33DE70}"/>
+              </a:ext>
+            </a:extLst>
+          </p:cNvPr>
+          <p:cNvPicPr>
+            <a:picLocks noChangeAspect="1"/>
+          </p:cNvPicPr>
+          <p:nvPr/>
+        </p:nvPicPr>
+        <p:blipFill>
+          <a:blip r:embed="rId2"/>
+          <a:stretch>
+            <a:fillRect/>
+          </a:stretch>
+        </p:blipFill>
+        <p:spPr>
+          <a:xfrm>
+            <a:off x="1184225" y="1577632"/>
+            <a:ext cx="9823549" cy="4950168"/>
+          </a:xfrm>
+          <a:prstGeom prst="rect">
+            <a:avLst/>
+          </a:prstGeom>
+        </p:spPr>
+      </p:pic>
+    </p:spTree>
+    <p:extLst>
+      <p:ext uri="{BB962C8B-B14F-4D97-AF65-F5344CB8AC3E}">
+        <p14:creationId xmlns:p14="http://schemas.microsoft.com/office/powerpoint/2010/main" val="1681813397"/>
+      </p:ext>
+    </p:extLst>
+  </p:cSld>
+  <p:clrMapOvr>
+    <a:masterClrMapping/>
+  </p:clrMapOvr>
+</p:sld>
+</file>
+
+<file path=ppt/slides/slide8.xml><?xml version="1.0" encoding="utf-8"?>
+<p:sld xmlns:a="http://schemas.openxmlformats.org/drawingml/2006/main" xmlns:r="http://schemas.openxmlformats.org/officeDocument/2006/relationships" xmlns:p="http://schemas.openxmlformats.org/presentationml/2006/main">
+  <p:cSld>
+    <p:spTree>
+      <p:nvGrpSpPr>
+        <p:cNvPr id="1" name=""/>
+        <p:cNvGrpSpPr/>
+        <p:nvPr/>
+      </p:nvGrpSpPr>
+      <p:grpSpPr>
+        <a:xfrm>
+          <a:off x="0" y="0"/>
+          <a:ext cx="0" cy="0"/>
+          <a:chOff x="0" y="0"/>
+          <a:chExt cx="0" cy="0"/>
+        </a:xfrm>
+      </p:grpSpPr>
+      <p:sp>
+        <p:nvSpPr>
           <p:cNvPr id="3" name="TextBox 2">
             <a:extLst>
               <a:ext uri="{FF2B5EF4-FFF2-40B4-BE49-F238E27FC236}">
